--- a/banner/banner.pptx
+++ b/banner/banner.pptx
@@ -262,7 +262,7 @@
           <a:p>
             <a:fld id="{1D8BD707-D9CF-40AE-B4C6-C98DA3205C09}" type="datetimeFigureOut">
               <a:rPr lang="en-US"/>
-              <a:t>11/12/2018</a:t>
+              <a:t>11/14/2018</a:t>
             </a:fld>
             <a:endParaRPr lang="en-US"/>
           </a:p>
@@ -427,7 +427,7 @@
           <a:p>
             <a:fld id="{1D8BD707-D9CF-40AE-B4C6-C98DA3205C09}" type="datetimeFigureOut">
               <a:rPr lang="en-US"/>
-              <a:t>11/12/2018</a:t>
+              <a:t>11/14/2018</a:t>
             </a:fld>
             <a:endParaRPr lang="en-US"/>
           </a:p>
@@ -635,7 +635,7 @@
           <a:p>
             <a:fld id="{1D8BD707-D9CF-40AE-B4C6-C98DA3205C09}" type="datetimeFigureOut">
               <a:rPr lang="en-US"/>
-              <a:t>11/12/2018</a:t>
+              <a:t>11/14/2018</a:t>
             </a:fld>
             <a:endParaRPr lang="en-US"/>
           </a:p>
@@ -777,7 +777,7 @@
           <a:p>
             <a:fld id="{1D8BD707-D9CF-40AE-B4C6-C98DA3205C09}" type="datetimeFigureOut">
               <a:rPr lang="en-US"/>
-              <a:t>11/12/2018</a:t>
+              <a:t>11/14/2018</a:t>
             </a:fld>
             <a:endParaRPr lang="en-US"/>
           </a:p>
@@ -896,7 +896,7 @@
           <a:p>
             <a:fld id="{1D8BD707-D9CF-40AE-B4C6-C98DA3205C09}" type="datetimeFigureOut">
               <a:rPr lang="en-US"/>
-              <a:t>11/12/2018</a:t>
+              <a:t>11/14/2018</a:t>
             </a:fld>
             <a:endParaRPr lang="en-US"/>
           </a:p>
@@ -1138,7 +1138,7 @@
           <a:p>
             <a:fld id="{1D8BD707-D9CF-40AE-B4C6-C98DA3205C09}" type="datetimeFigureOut">
               <a:rPr lang="en-US"/>
-              <a:t>11/12/2018</a:t>
+              <a:t>11/14/2018</a:t>
             </a:fld>
             <a:endParaRPr lang="en-US"/>
           </a:p>
@@ -1387,7 +1387,7 @@
               </a:spcBef>
             </a:pPr>
             <a:r>
-              <a:rPr lang="pt-BR" sz="1700" b="1" i="1" spc="-5" dirty="0" smtClean="0">
+              <a:rPr lang="pt-BR" sz="1700" b="1" i="1" spc="-5" dirty="0">
                 <a:latin typeface="Verdana"/>
                 <a:cs typeface="Verdana"/>
               </a:rPr>
@@ -1405,7 +1405,7 @@
               </a:lnSpc>
             </a:pPr>
             <a:r>
-              <a:rPr lang="pt-BR" sz="1700" spc="-5" dirty="0" smtClean="0">
+              <a:rPr lang="pt-BR" sz="1700" spc="-5" dirty="0">
                 <a:latin typeface="Verdana"/>
                 <a:cs typeface="Verdana"/>
               </a:rPr>
@@ -1419,7 +1419,7 @@
               </a:lnSpc>
             </a:pPr>
             <a:r>
-              <a:rPr lang="pt-BR" sz="1700" spc="-5" dirty="0" smtClean="0">
+              <a:rPr lang="pt-BR" sz="1700" spc="-5" dirty="0">
                 <a:latin typeface="Verdana"/>
                 <a:cs typeface="Verdana"/>
               </a:rPr>
@@ -1483,7 +1483,7 @@
         </p:nvSpPr>
         <p:spPr>
           <a:xfrm>
-            <a:off x="344204" y="12690536"/>
+            <a:off x="401946" y="13369093"/>
             <a:ext cx="6571615" cy="330218"/>
           </a:xfrm>
           <a:prstGeom prst="rect">
@@ -1505,7 +1505,7 @@
               </a:spcBef>
             </a:pPr>
             <a:r>
-              <a:rPr sz="2050" b="1" spc="5" dirty="0" smtClean="0">
+              <a:rPr sz="2050" b="1" spc="5" dirty="0">
                 <a:latin typeface="Arial" panose="020B0604020202020204" pitchFamily="34" charset="0"/>
                 <a:cs typeface="Arial" panose="020B0604020202020204" pitchFamily="34" charset="0"/>
               </a:rPr>
@@ -1570,35 +1570,15 @@
             </a:pPr>
             <a:r>
               <a:rPr lang="pt-BR" dirty="0"/>
-              <a:t>O jogo se passa na </a:t>
-            </a:r>
-            <a:r>
-              <a:rPr lang="pt-BR" dirty="0" smtClean="0"/>
-              <a:t>Terra</a:t>
+              <a:t>O jogo se passa na Terra, onde uma legião alienígena decide ataca-la em busca de um novo planeta onde poderiam procriar novas tropas </a:t>
+            </a:r>
+            <a:r>
+              <a:rPr lang="pt-BR" u="sng" dirty="0"/>
+              <a:t>Extraterrestres</a:t>
             </a:r>
             <a:r>
               <a:rPr lang="pt-BR" dirty="0"/>
-              <a:t>, onde uma legião alienígena </a:t>
-            </a:r>
-            <a:r>
-              <a:rPr lang="pt-BR" dirty="0" smtClean="0"/>
-              <a:t>decide ataca-la em </a:t>
-            </a:r>
-            <a:r>
-              <a:rPr lang="pt-BR" dirty="0"/>
-              <a:t>busca de um novo planeta onde poderiam procriar novas tropas </a:t>
-            </a:r>
-            <a:r>
-              <a:rPr lang="pt-BR" u="sng" dirty="0" smtClean="0"/>
-              <a:t>Extraterrestres</a:t>
-            </a:r>
-            <a:r>
-              <a:rPr lang="pt-BR" dirty="0"/>
-              <a:t>. A missão do jogador é guiar uma espaçonave recém criada para utilizá-la em previstos ataques como este, A nave deve guiar-se em meios as naves inimigas destruindo-as até </a:t>
-            </a:r>
-            <a:r>
-              <a:rPr lang="pt-BR" dirty="0" smtClean="0"/>
-              <a:t>conseguir o maior número de pontos.</a:t>
+              <a:t>. A missão do jogador é guiar uma espaçonave recém criada para utilizá-la em previstos ataques como este, A nave deve guiar-se em meios as naves inimigas destruindo-as até conseguir o maior número de pontos.</a:t>
             </a:r>
             <a:endParaRPr sz="1300" dirty="0">
               <a:latin typeface="Times New Roman"/>
@@ -1679,16 +1659,12 @@
               </a:spcBef>
             </a:pPr>
             <a:r>
-              <a:rPr sz="1300" dirty="0" smtClean="0">
+              <a:rPr sz="1300" dirty="0">
                 <a:latin typeface="Times New Roman"/>
                 <a:cs typeface="Times New Roman"/>
               </a:rPr>
               <a:t>.</a:t>
             </a:r>
-            <a:endParaRPr sz="1300" dirty="0">
-              <a:latin typeface="Times New Roman"/>
-              <a:cs typeface="Times New Roman"/>
-            </a:endParaRPr>
           </a:p>
         </p:txBody>
       </p:sp>
@@ -1700,7 +1676,7 @@
         </p:nvSpPr>
         <p:spPr>
           <a:xfrm>
-            <a:off x="7493000" y="12695512"/>
+            <a:off x="7810579" y="13374069"/>
             <a:ext cx="4343400" cy="2987355"/>
           </a:xfrm>
           <a:prstGeom prst="rect">
@@ -1743,28 +1719,28 @@
               </a:spcBef>
             </a:pPr>
             <a:r>
-              <a:rPr lang="pt-BR" sz="1300" dirty="0" smtClean="0">
+              <a:rPr lang="pt-BR" sz="1300" dirty="0">
                 <a:latin typeface="Arial" panose="020B0604020202020204" pitchFamily="34" charset="0"/>
                 <a:cs typeface="Arial" panose="020B0604020202020204" pitchFamily="34" charset="0"/>
               </a:rPr>
               <a:t>Corona </a:t>
             </a:r>
             <a:r>
-              <a:rPr lang="pt-BR" sz="1300" dirty="0" err="1" smtClean="0">
+              <a:rPr lang="pt-BR" sz="1300" dirty="0" err="1">
                 <a:latin typeface="Arial" panose="020B0604020202020204" pitchFamily="34" charset="0"/>
                 <a:cs typeface="Arial" panose="020B0604020202020204" pitchFamily="34" charset="0"/>
               </a:rPr>
               <a:t>labs</a:t>
             </a:r>
             <a:r>
-              <a:rPr lang="pt-BR" sz="1300" dirty="0" smtClean="0">
+              <a:rPr lang="pt-BR" sz="1300" dirty="0">
                 <a:latin typeface="Arial" panose="020B0604020202020204" pitchFamily="34" charset="0"/>
                 <a:cs typeface="Arial" panose="020B0604020202020204" pitchFamily="34" charset="0"/>
               </a:rPr>
               <a:t> Tutorial.  (</a:t>
             </a:r>
             <a:r>
-              <a:rPr lang="pt-BR" sz="1300" dirty="0" smtClean="0">
+              <a:rPr lang="pt-BR" sz="1300" dirty="0">
                 <a:latin typeface="Arial" panose="020B0604020202020204" pitchFamily="34" charset="0"/>
                 <a:cs typeface="Arial" panose="020B0604020202020204" pitchFamily="34" charset="0"/>
                 <a:hlinkClick r:id="rId2"/>
@@ -1772,7 +1748,7 @@
               <a:t>https://coronalabs.com/learn/</a:t>
             </a:r>
             <a:r>
-              <a:rPr lang="pt-BR" sz="1300" dirty="0" smtClean="0">
+              <a:rPr lang="pt-BR" sz="1300" dirty="0">
                 <a:latin typeface="Arial" panose="020B0604020202020204" pitchFamily="34" charset="0"/>
                 <a:cs typeface="Arial" panose="020B0604020202020204" pitchFamily="34" charset="0"/>
               </a:rPr>
@@ -1789,47 +1765,27 @@
               </a:spcBef>
             </a:pPr>
             <a:r>
-              <a:rPr lang="pt-BR" sz="1300" dirty="0" smtClean="0">
+              <a:rPr lang="pt-BR" sz="1300" dirty="0">
                 <a:latin typeface="Arial" panose="020B0604020202020204" pitchFamily="34" charset="0"/>
                 <a:cs typeface="Arial" panose="020B0604020202020204" pitchFamily="34" charset="0"/>
               </a:rPr>
               <a:t>Kenney.nl (</a:t>
             </a:r>
             <a:r>
-              <a:rPr lang="pt-BR" sz="1300" dirty="0" smtClean="0">
+              <a:rPr lang="pt-BR" sz="1300" dirty="0">
                 <a:latin typeface="Arial" panose="020B0604020202020204" pitchFamily="34" charset="0"/>
                 <a:cs typeface="Arial" panose="020B0604020202020204" pitchFamily="34" charset="0"/>
                 <a:hlinkClick r:id="rId3"/>
               </a:rPr>
-              <a:t>https://www.kenney.n</a:t>
-            </a:r>
-            <a:r>
-              <a:rPr lang="pt-BR" sz="1300" dirty="0" smtClean="0">
-                <a:latin typeface="Arial" panose="020B0604020202020204" pitchFamily="34" charset="0"/>
-                <a:cs typeface="Arial" panose="020B0604020202020204" pitchFamily="34" charset="0"/>
-                <a:hlinkClick r:id="rId3"/>
-              </a:rPr>
-              <a:t>/</a:t>
-            </a:r>
-            <a:r>
-              <a:rPr lang="pt-BR" sz="1300" dirty="0" smtClean="0">
-                <a:latin typeface="Arial" panose="020B0604020202020204" pitchFamily="34" charset="0"/>
-                <a:cs typeface="Arial" panose="020B0604020202020204" pitchFamily="34" charset="0"/>
-                <a:hlinkClick r:id="rId3"/>
-              </a:rPr>
-              <a:t>l</a:t>
-            </a:r>
-            <a:r>
-              <a:rPr lang="pt-BR" sz="1300" dirty="0" smtClean="0">
+              <a:t>https://www.kenney.n/l</a:t>
+            </a:r>
+            <a:r>
+              <a:rPr lang="pt-BR" sz="1300" dirty="0">
                 <a:latin typeface="Arial" panose="020B0604020202020204" pitchFamily="34" charset="0"/>
                 <a:cs typeface="Arial" panose="020B0604020202020204" pitchFamily="34" charset="0"/>
               </a:rPr>
               <a:t>)</a:t>
             </a:r>
-            <a:endParaRPr lang="pt-BR" sz="1300" dirty="0">
-              <a:latin typeface="Arial" panose="020B0604020202020204" pitchFamily="34" charset="0"/>
-              <a:cs typeface="Arial" panose="020B0604020202020204" pitchFamily="34" charset="0"/>
-            </a:endParaRPr>
           </a:p>
           <a:p>
             <a:pPr marL="227329">
@@ -1841,21 +1797,21 @@
               </a:spcBef>
             </a:pPr>
             <a:r>
-              <a:rPr lang="pt-BR" sz="1300" dirty="0" err="1" smtClean="0">
+              <a:rPr lang="pt-BR" sz="1300" dirty="0" err="1">
                 <a:latin typeface="Arial" panose="020B0604020202020204" pitchFamily="34" charset="0"/>
                 <a:cs typeface="Arial" panose="020B0604020202020204" pitchFamily="34" charset="0"/>
               </a:rPr>
               <a:t>Freesound</a:t>
             </a:r>
             <a:r>
-              <a:rPr lang="pt-BR" sz="1300" dirty="0" smtClean="0">
+              <a:rPr lang="pt-BR" sz="1300" dirty="0">
                 <a:latin typeface="Arial" panose="020B0604020202020204" pitchFamily="34" charset="0"/>
                 <a:cs typeface="Arial" panose="020B0604020202020204" pitchFamily="34" charset="0"/>
               </a:rPr>
               <a:t> (</a:t>
             </a:r>
             <a:r>
-              <a:rPr lang="pt-BR" sz="1300" dirty="0" smtClean="0">
+              <a:rPr lang="pt-BR" sz="1300" dirty="0">
                 <a:latin typeface="Arial" panose="020B0604020202020204" pitchFamily="34" charset="0"/>
                 <a:cs typeface="Arial" panose="020B0604020202020204" pitchFamily="34" charset="0"/>
                 <a:hlinkClick r:id="rId4"/>
@@ -1863,7 +1819,7 @@
               <a:t>https://freesound.org/</a:t>
             </a:r>
             <a:r>
-              <a:rPr lang="pt-BR" sz="1300" dirty="0" smtClean="0">
+              <a:rPr lang="pt-BR" sz="1300" dirty="0">
                 <a:latin typeface="Arial" panose="020B0604020202020204" pitchFamily="34" charset="0"/>
                 <a:cs typeface="Arial" panose="020B0604020202020204" pitchFamily="34" charset="0"/>
               </a:rPr>
@@ -1880,14 +1836,14 @@
               </a:spcBef>
             </a:pPr>
             <a:r>
-              <a:rPr lang="pt-BR" sz="1300" dirty="0" smtClean="0">
+              <a:rPr lang="pt-BR" sz="1300" dirty="0">
                 <a:latin typeface="Arial" panose="020B0604020202020204" pitchFamily="34" charset="0"/>
                 <a:cs typeface="Arial" panose="020B0604020202020204" pitchFamily="34" charset="0"/>
               </a:rPr>
               <a:t>Google (</a:t>
             </a:r>
             <a:r>
-              <a:rPr lang="pt-BR" sz="1300" dirty="0" smtClean="0">
+              <a:rPr lang="pt-BR" sz="1300" dirty="0">
                 <a:latin typeface="Arial" panose="020B0604020202020204" pitchFamily="34" charset="0"/>
                 <a:cs typeface="Arial" panose="020B0604020202020204" pitchFamily="34" charset="0"/>
                 <a:hlinkClick r:id="rId5"/>
@@ -1895,7 +1851,7 @@
               <a:t>https://google.com/</a:t>
             </a:r>
             <a:r>
-              <a:rPr lang="pt-BR" sz="1300" dirty="0" smtClean="0">
+              <a:rPr lang="pt-BR" sz="1300" dirty="0">
                 <a:latin typeface="Arial" panose="020B0604020202020204" pitchFamily="34" charset="0"/>
                 <a:cs typeface="Arial" panose="020B0604020202020204" pitchFamily="34" charset="0"/>
               </a:rPr>
@@ -1912,21 +1868,21 @@
               </a:spcBef>
             </a:pPr>
             <a:r>
-              <a:rPr lang="pt-BR" sz="1300" dirty="0" err="1" smtClean="0">
+              <a:rPr lang="pt-BR" sz="1300" dirty="0" err="1">
                 <a:latin typeface="Arial" panose="020B0604020202020204" pitchFamily="34" charset="0"/>
                 <a:cs typeface="Arial" panose="020B0604020202020204" pitchFamily="34" charset="0"/>
               </a:rPr>
               <a:t>Youtube</a:t>
             </a:r>
             <a:r>
-              <a:rPr lang="pt-BR" sz="1300" dirty="0" smtClean="0">
+              <a:rPr lang="pt-BR" sz="1300" dirty="0">
                 <a:latin typeface="Arial" panose="020B0604020202020204" pitchFamily="34" charset="0"/>
                 <a:cs typeface="Arial" panose="020B0604020202020204" pitchFamily="34" charset="0"/>
               </a:rPr>
               <a:t> (</a:t>
             </a:r>
             <a:r>
-              <a:rPr lang="pt-BR" sz="1300" dirty="0" smtClean="0">
+              <a:rPr lang="pt-BR" sz="1300" dirty="0">
                 <a:latin typeface="Arial" panose="020B0604020202020204" pitchFamily="34" charset="0"/>
                 <a:cs typeface="Arial" panose="020B0604020202020204" pitchFamily="34" charset="0"/>
                 <a:hlinkClick r:id="rId6"/>
@@ -1934,7 +1890,7 @@
               <a:t>https://youtube.com/</a:t>
             </a:r>
             <a:r>
-              <a:rPr lang="pt-BR" sz="1300" dirty="0" smtClean="0">
+              <a:rPr lang="pt-BR" sz="1300" dirty="0">
                 <a:latin typeface="Arial" panose="020B0604020202020204" pitchFamily="34" charset="0"/>
                 <a:cs typeface="Arial" panose="020B0604020202020204" pitchFamily="34" charset="0"/>
               </a:rPr>
@@ -1951,21 +1907,21 @@
               </a:spcBef>
             </a:pPr>
             <a:r>
-              <a:rPr lang="pt-BR" sz="1300" dirty="0" err="1" smtClean="0">
+              <a:rPr lang="pt-BR" sz="1300" dirty="0" err="1">
                 <a:latin typeface="Arial" panose="020B0604020202020204" pitchFamily="34" charset="0"/>
                 <a:cs typeface="Arial" panose="020B0604020202020204" pitchFamily="34" charset="0"/>
               </a:rPr>
               <a:t>Pixrl</a:t>
             </a:r>
             <a:r>
-              <a:rPr lang="pt-BR" sz="1300" dirty="0" smtClean="0">
+              <a:rPr lang="pt-BR" sz="1300" dirty="0">
                 <a:latin typeface="Arial" panose="020B0604020202020204" pitchFamily="34" charset="0"/>
                 <a:cs typeface="Arial" panose="020B0604020202020204" pitchFamily="34" charset="0"/>
               </a:rPr>
               <a:t> Editor (</a:t>
             </a:r>
             <a:r>
-              <a:rPr lang="pt-BR" sz="1300" dirty="0" smtClean="0">
+              <a:rPr lang="pt-BR" sz="1300" dirty="0">
                 <a:latin typeface="Arial" panose="020B0604020202020204" pitchFamily="34" charset="0"/>
                 <a:cs typeface="Arial" panose="020B0604020202020204" pitchFamily="34" charset="0"/>
                 <a:hlinkClick r:id="rId7"/>
@@ -1973,7 +1929,7 @@
               <a:t>https://pixlr.com/editor/</a:t>
             </a:r>
             <a:r>
-              <a:rPr lang="pt-BR" sz="1300" dirty="0" smtClean="0">
+              <a:rPr lang="pt-BR" sz="1300" dirty="0">
                 <a:latin typeface="Arial" panose="020B0604020202020204" pitchFamily="34" charset="0"/>
                 <a:cs typeface="Arial" panose="020B0604020202020204" pitchFamily="34" charset="0"/>
               </a:rPr>
@@ -1989,7 +1945,7 @@
                 <a:spcPts val="1415"/>
               </a:spcBef>
             </a:pPr>
-            <a:endParaRPr lang="pt-BR" sz="1300" dirty="0" smtClean="0">
+            <a:endParaRPr lang="pt-BR" sz="1300" dirty="0">
               <a:latin typeface="Times New Roman"/>
               <a:cs typeface="Times New Roman"/>
             </a:endParaRPr>
@@ -2156,7 +2112,7 @@
         </p:blipFill>
         <p:spPr>
           <a:xfrm>
-            <a:off x="207821" y="8514271"/>
+            <a:off x="164515" y="8774144"/>
             <a:ext cx="6910883" cy="3562223"/>
           </a:xfrm>
           <a:prstGeom prst="rect">
@@ -2186,7 +2142,7 @@
         </p:blipFill>
         <p:spPr>
           <a:xfrm>
-            <a:off x="7340600" y="8514271"/>
+            <a:off x="7268423" y="8716394"/>
             <a:ext cx="6570605" cy="3569321"/>
           </a:xfrm>
           <a:prstGeom prst="rect">
@@ -2194,6 +2150,141 @@
           </a:prstGeom>
         </p:spPr>
       </p:pic>
+      <p:sp>
+        <p:nvSpPr>
+          <p:cNvPr id="10" name="CaixaDeTexto 9">
+            <a:extLst>
+              <a:ext uri="{FF2B5EF4-FFF2-40B4-BE49-F238E27FC236}">
+                <a16:creationId xmlns:a16="http://schemas.microsoft.com/office/drawing/2014/main" id="{7A12F485-68FB-48FB-8EFC-A2976508D1BB}"/>
+              </a:ext>
+            </a:extLst>
+          </p:cNvPr>
+          <p:cNvSpPr txBox="1"/>
+          <p:nvPr/>
+        </p:nvSpPr>
+        <p:spPr>
+          <a:xfrm rot="10800000" flipV="1">
+            <a:off x="6968297" y="5236709"/>
+            <a:ext cx="7248666" cy="2031325"/>
+          </a:xfrm>
+          <a:prstGeom prst="rect">
+            <a:avLst/>
+          </a:prstGeom>
+        </p:spPr>
+        <p:txBody>
+          <a:bodyPr rot="0" spcFirstLastPara="0" vertOverflow="overflow" horzOverflow="overflow" vert="horz" wrap="square" lIns="91440" tIns="45720" rIns="91440" bIns="45720" numCol="1" spcCol="0" rtlCol="0" fromWordArt="0" anchor="t" anchorCtr="0" forceAA="0" compatLnSpc="1">
+            <a:prstTxWarp prst="textNoShape">
+              <a:avLst/>
+            </a:prstTxWarp>
+            <a:spAutoFit/>
+          </a:bodyPr>
+          <a:lstStyle/>
+          <a:p>
+            <a:r>
+              <a:rPr lang="pt-BR" dirty="0"/>
+              <a:t>No processo inicial da criação do jogo, teve início com a fase de criação dos layouts para cada situações de jogabilidade, com isso desenvolvendo a ideia principal do jogo. Partiu-se então para a implementação do game utilizando a linguagem Lua e o framework Corona SDK, com toda</a:t>
+            </a:r>
+            <a:r>
+              <a:rPr lang="pt-BR" dirty="0">
+                <a:cs typeface="Calibri"/>
+              </a:rPr>
+              <a:t> a codificação sendo feita no Sublime </a:t>
+            </a:r>
+            <a:r>
+              <a:rPr lang="pt-BR" dirty="0" err="1">
+                <a:cs typeface="Calibri"/>
+              </a:rPr>
+              <a:t>Text</a:t>
+            </a:r>
+            <a:r>
+              <a:rPr lang="pt-BR" dirty="0">
+                <a:cs typeface="Calibri"/>
+              </a:rPr>
+              <a:t> 3, tendo como avaliação entregas semanais.</a:t>
+            </a:r>
+            <a:br>
+              <a:rPr lang="pt-BR" dirty="0">
+                <a:cs typeface="Calibri"/>
+              </a:rPr>
+            </a:br>
+            <a:r>
+              <a:rPr lang="pt-BR" dirty="0"/>
+              <a:t>As imagens do jogo foram utilizados</a:t>
+            </a:r>
+            <a:r>
+              <a:rPr lang="pt-BR" dirty="0">
+                <a:cs typeface="Calibri"/>
+              </a:rPr>
+              <a:t> </a:t>
+            </a:r>
+            <a:r>
+              <a:rPr lang="pt-BR" dirty="0" err="1">
+                <a:cs typeface="Calibri"/>
+              </a:rPr>
+              <a:t>Sprites</a:t>
+            </a:r>
+            <a:r>
+              <a:rPr lang="pt-BR" dirty="0">
+                <a:cs typeface="Calibri"/>
+              </a:rPr>
+              <a:t> e áudios disponíveis gratuitamente pela internet, e também artes  das cenas feitas no </a:t>
+            </a:r>
+            <a:r>
+              <a:rPr lang="pt-BR" dirty="0" err="1">
+                <a:cs typeface="Calibri"/>
+              </a:rPr>
+              <a:t>Paint</a:t>
+            </a:r>
+            <a:r>
+              <a:rPr lang="pt-BR" dirty="0">
+                <a:cs typeface="Calibri"/>
+              </a:rPr>
+              <a:t>.</a:t>
+            </a:r>
+            <a:endParaRPr lang="pt-BR" dirty="0"/>
+          </a:p>
+        </p:txBody>
+      </p:sp>
+      <p:sp>
+        <p:nvSpPr>
+          <p:cNvPr id="11" name="CaixaDeTexto 10">
+            <a:extLst>
+              <a:ext uri="{FF2B5EF4-FFF2-40B4-BE49-F238E27FC236}">
+                <a16:creationId xmlns:a16="http://schemas.microsoft.com/office/drawing/2014/main" id="{11B0DC10-6800-412D-B3B9-6C8A05029E30}"/>
+              </a:ext>
+            </a:extLst>
+          </p:cNvPr>
+          <p:cNvSpPr txBox="1"/>
+          <p:nvPr/>
+        </p:nvSpPr>
+        <p:spPr>
+          <a:xfrm>
+            <a:off x="364329" y="13923766"/>
+            <a:ext cx="6165624" cy="2308324"/>
+          </a:xfrm>
+          <a:prstGeom prst="rect">
+            <a:avLst/>
+          </a:prstGeom>
+        </p:spPr>
+        <p:txBody>
+          <a:bodyPr rot="0" spcFirstLastPara="0" vertOverflow="overflow" horzOverflow="overflow" vert="horz" wrap="square" lIns="91440" tIns="45720" rIns="91440" bIns="45720" numCol="1" spcCol="0" rtlCol="0" fromWordArt="0" anchor="t" anchorCtr="0" forceAA="0" compatLnSpc="1">
+            <a:prstTxWarp prst="textNoShape">
+              <a:avLst/>
+            </a:prstTxWarp>
+            <a:spAutoFit/>
+          </a:bodyPr>
+          <a:lstStyle/>
+          <a:p>
+            <a:r>
+              <a:rPr lang="pt-BR" dirty="0"/>
+              <a:t>Na versão atual de “Monster ATK”, é tratado como um modo de jogo "sobrevivência", onde o jogador terá que guiar a espaçonave humana destruindo naves inimigas e desviando de seus disparos. No chão são implementadas funções de movimento da espaçonave(cima ou baixo). A missão é ser o jogador com mais pontos ganhos. Para versões futuras a ideia é implementar um Chefão a cada distância percorrida, dificultando o jogo e facilitando na pontuação.</a:t>
+            </a:r>
+            <a:endParaRPr lang="pt-BR" dirty="0">
+              <a:cs typeface="Calibri"/>
+            </a:endParaRPr>
+          </a:p>
+        </p:txBody>
+      </p:sp>
     </p:spTree>
   </p:cSld>
   <p:clrMapOvr>
